--- a/database/slides/GOD_STILL_LOVES_THE_WORLD.pptx
+++ b/database/slides/GOD_STILL_LOVES_THE_WORLD.pptx
@@ -16168,7 +16168,13 @@
       </p:sp>
       <p:sp>
         <p:nvSpPr>
-          <p:cNvPr id="131" name="Google Shape;131;p25"/>
+          <p:cNvPr id="2" name="Google Shape;131;p25">
+            <a:extLst>
+              <a:ext uri="{FF2B5EF4-FFF2-40B4-BE49-F238E27FC236}">
+                <a16:creationId xmlns:a16="http://schemas.microsoft.com/office/drawing/2014/main" id="{A97B28FD-91F1-F02A-0FD5-A7F8E79C24F1}"/>
+              </a:ext>
+            </a:extLst>
+          </p:cNvPr>
           <p:cNvSpPr txBox="1"/>
           <p:nvPr/>
         </p:nvSpPr>
@@ -16213,9 +16219,16 @@
                 <a:latin typeface="Calibri"/>
                 <a:ea typeface="Calibri"/>
                 <a:cs typeface="Calibri"/>
+                <a:sym typeface="Calibri"/>
               </a:rPr>
               <a:t>contd..</a:t>
             </a:r>
+            <a:endParaRPr sz="3600" dirty="0">
+              <a:latin typeface="Calibri"/>
+              <a:ea typeface="Calibri"/>
+              <a:cs typeface="Calibri"/>
+              <a:sym typeface="Calibri"/>
+            </a:endParaRPr>
           </a:p>
         </p:txBody>
       </p:sp>
@@ -16451,7 +16464,13 @@
       </p:sp>
       <p:sp>
         <p:nvSpPr>
-          <p:cNvPr id="131" name="Google Shape;131;p25"/>
+          <p:cNvPr id="2" name="Google Shape;131;p25">
+            <a:extLst>
+              <a:ext uri="{FF2B5EF4-FFF2-40B4-BE49-F238E27FC236}">
+                <a16:creationId xmlns:a16="http://schemas.microsoft.com/office/drawing/2014/main" id="{FD3D121E-82BD-5769-FF8D-846CD074E915}"/>
+              </a:ext>
+            </a:extLst>
+          </p:cNvPr>
           <p:cNvSpPr txBox="1"/>
           <p:nvPr/>
         </p:nvSpPr>
@@ -16496,9 +16515,16 @@
                 <a:latin typeface="Calibri"/>
                 <a:ea typeface="Calibri"/>
                 <a:cs typeface="Calibri"/>
+                <a:sym typeface="Calibri"/>
               </a:rPr>
               <a:t>contd..</a:t>
             </a:r>
+            <a:endParaRPr sz="3600" dirty="0">
+              <a:latin typeface="Calibri"/>
+              <a:ea typeface="Calibri"/>
+              <a:cs typeface="Calibri"/>
+              <a:sym typeface="Calibri"/>
+            </a:endParaRPr>
           </a:p>
         </p:txBody>
       </p:sp>
@@ -16740,7 +16766,13 @@
       </p:sp>
       <p:sp>
         <p:nvSpPr>
-          <p:cNvPr id="131" name="Google Shape;131;p25"/>
+          <p:cNvPr id="2" name="Google Shape;131;p25">
+            <a:extLst>
+              <a:ext uri="{FF2B5EF4-FFF2-40B4-BE49-F238E27FC236}">
+                <a16:creationId xmlns:a16="http://schemas.microsoft.com/office/drawing/2014/main" id="{B95FAE57-15C3-E9FA-411E-42805DBE3BAD}"/>
+              </a:ext>
+            </a:extLst>
+          </p:cNvPr>
           <p:cNvSpPr txBox="1"/>
           <p:nvPr/>
         </p:nvSpPr>
@@ -16785,9 +16817,16 @@
                 <a:latin typeface="Calibri"/>
                 <a:ea typeface="Calibri"/>
                 <a:cs typeface="Calibri"/>
+                <a:sym typeface="Calibri"/>
               </a:rPr>
               <a:t>contd..</a:t>
             </a:r>
+            <a:endParaRPr sz="3600" dirty="0">
+              <a:latin typeface="Calibri"/>
+              <a:ea typeface="Calibri"/>
+              <a:cs typeface="Calibri"/>
+              <a:sym typeface="Calibri"/>
+            </a:endParaRPr>
           </a:p>
         </p:txBody>
       </p:sp>
@@ -17023,7 +17062,13 @@
       </p:sp>
       <p:sp>
         <p:nvSpPr>
-          <p:cNvPr id="131" name="Google Shape;131;p25"/>
+          <p:cNvPr id="2" name="Google Shape;131;p25">
+            <a:extLst>
+              <a:ext uri="{FF2B5EF4-FFF2-40B4-BE49-F238E27FC236}">
+                <a16:creationId xmlns:a16="http://schemas.microsoft.com/office/drawing/2014/main" id="{C719C24E-A632-95AC-EEDF-3A54E954BF0D}"/>
+              </a:ext>
+            </a:extLst>
+          </p:cNvPr>
           <p:cNvSpPr txBox="1"/>
           <p:nvPr/>
         </p:nvSpPr>
@@ -17068,9 +17113,16 @@
                 <a:latin typeface="Calibri"/>
                 <a:ea typeface="Calibri"/>
                 <a:cs typeface="Calibri"/>
+                <a:sym typeface="Calibri"/>
               </a:rPr>
               <a:t>contd..</a:t>
             </a:r>
+            <a:endParaRPr sz="3600" dirty="0">
+              <a:latin typeface="Calibri"/>
+              <a:ea typeface="Calibri"/>
+              <a:cs typeface="Calibri"/>
+              <a:sym typeface="Calibri"/>
+            </a:endParaRPr>
           </a:p>
         </p:txBody>
       </p:sp>
@@ -17312,7 +17364,13 @@
       </p:sp>
       <p:sp>
         <p:nvSpPr>
-          <p:cNvPr id="131" name="Google Shape;131;p25"/>
+          <p:cNvPr id="2" name="Google Shape;131;p25">
+            <a:extLst>
+              <a:ext uri="{FF2B5EF4-FFF2-40B4-BE49-F238E27FC236}">
+                <a16:creationId xmlns:a16="http://schemas.microsoft.com/office/drawing/2014/main" id="{E8C6DEB3-1095-FBE3-B284-9518D63039B7}"/>
+              </a:ext>
+            </a:extLst>
+          </p:cNvPr>
           <p:cNvSpPr txBox="1"/>
           <p:nvPr/>
         </p:nvSpPr>
@@ -17357,9 +17415,16 @@
                 <a:latin typeface="Calibri"/>
                 <a:ea typeface="Calibri"/>
                 <a:cs typeface="Calibri"/>
+                <a:sym typeface="Calibri"/>
               </a:rPr>
               <a:t>contd..</a:t>
             </a:r>
+            <a:endParaRPr sz="3600" dirty="0">
+              <a:latin typeface="Calibri"/>
+              <a:ea typeface="Calibri"/>
+              <a:cs typeface="Calibri"/>
+              <a:sym typeface="Calibri"/>
+            </a:endParaRPr>
           </a:p>
         </p:txBody>
       </p:sp>
